--- a/ppt 16-9/0428.让你去到那边.pptx
+++ b/ppt 16-9/0428.让你去到那边.pptx
@@ -5,7 +5,7 @@
     <p:sldMasterId id="2147483648" r:id="rId1"/>
   </p:sldMasterIdLst>
   <p:sldIdLst>
-    <p:sldId id="2908" r:id="rId2"/>
+    <p:sldId id="2910" r:id="rId2"/>
   </p:sldIdLst>
   <p:sldSz cx="12192000" cy="6858000"/>
   <p:notesSz cx="6858000" cy="9144000"/>
@@ -129,7 +129,7 @@
           <p:cNvPr id="2" name="标题 1">
             <a:extLst>
               <a:ext uri="{FF2B5EF4-FFF2-40B4-BE49-F238E27FC236}">
-                <a16:creationId xmlns:a16="http://schemas.microsoft.com/office/drawing/2014/main" id="{86694CAC-29E2-292A-4E91-8A5B1D8370BE}"/>
+                <a16:creationId xmlns:a16="http://schemas.microsoft.com/office/drawing/2014/main" id="{15CA781E-8E2D-A42E-07A5-8DE439E0EACE}"/>
               </a:ext>
             </a:extLst>
           </p:cNvPr>
@@ -166,7 +166,7 @@
           <p:cNvPr id="3" name="副标题 2">
             <a:extLst>
               <a:ext uri="{FF2B5EF4-FFF2-40B4-BE49-F238E27FC236}">
-                <a16:creationId xmlns:a16="http://schemas.microsoft.com/office/drawing/2014/main" id="{C4C66CAF-3543-C46E-17BF-3E1905E4956E}"/>
+                <a16:creationId xmlns:a16="http://schemas.microsoft.com/office/drawing/2014/main" id="{6446B38F-6724-DA2D-2E1C-55918E6AE767}"/>
               </a:ext>
             </a:extLst>
           </p:cNvPr>
@@ -236,7 +236,7 @@
           <p:cNvPr id="4" name="日期占位符 3">
             <a:extLst>
               <a:ext uri="{FF2B5EF4-FFF2-40B4-BE49-F238E27FC236}">
-                <a16:creationId xmlns:a16="http://schemas.microsoft.com/office/drawing/2014/main" id="{1754834B-6CFF-9D97-FB9A-637BA739E0BF}"/>
+                <a16:creationId xmlns:a16="http://schemas.microsoft.com/office/drawing/2014/main" id="{63F43D46-4ACD-A7CD-D416-1F1A4A24C3E3}"/>
               </a:ext>
             </a:extLst>
           </p:cNvPr>
@@ -252,7 +252,7 @@
           <a:bodyPr/>
           <a:lstStyle/>
           <a:p>
-            <a:fld id="{A71838C6-DCE9-400B-A470-32CCF6D799F4}" type="datetimeFigureOut">
+            <a:fld id="{8EBAB9D4-8CD7-44A8-8AEF-A8C8488AF5C3}" type="datetimeFigureOut">
               <a:rPr lang="zh-CN" altLang="en-US" smtClean="0"/>
               <a:t>2024/3/10</a:t>
             </a:fld>
@@ -265,7 +265,7 @@
           <p:cNvPr id="5" name="页脚占位符 4">
             <a:extLst>
               <a:ext uri="{FF2B5EF4-FFF2-40B4-BE49-F238E27FC236}">
-                <a16:creationId xmlns:a16="http://schemas.microsoft.com/office/drawing/2014/main" id="{BDCFBD3C-21BF-F1D7-9FF5-0E46728D7F05}"/>
+                <a16:creationId xmlns:a16="http://schemas.microsoft.com/office/drawing/2014/main" id="{4863478D-DFAC-D3C7-5700-BE016081091F}"/>
               </a:ext>
             </a:extLst>
           </p:cNvPr>
@@ -290,7 +290,7 @@
           <p:cNvPr id="6" name="灯片编号占位符 5">
             <a:extLst>
               <a:ext uri="{FF2B5EF4-FFF2-40B4-BE49-F238E27FC236}">
-                <a16:creationId xmlns:a16="http://schemas.microsoft.com/office/drawing/2014/main" id="{33D5FE8F-7872-5421-79F7-217ED566792C}"/>
+                <a16:creationId xmlns:a16="http://schemas.microsoft.com/office/drawing/2014/main" id="{DE5FDB2A-C5DF-F455-3BD6-62E1E414A094}"/>
               </a:ext>
             </a:extLst>
           </p:cNvPr>
@@ -306,7 +306,7 @@
           <a:bodyPr/>
           <a:lstStyle/>
           <a:p>
-            <a:fld id="{83E4DEDF-BA7E-4423-AB68-21120FF83E20}" type="slidenum">
+            <a:fld id="{7B3F3ED6-D68B-4C53-A452-362F3642B874}" type="slidenum">
               <a:rPr lang="zh-CN" altLang="en-US" smtClean="0"/>
               <a:t>‹#›</a:t>
             </a:fld>
@@ -317,7 +317,7 @@
     </p:spTree>
     <p:extLst>
       <p:ext uri="{BB962C8B-B14F-4D97-AF65-F5344CB8AC3E}">
-        <p14:creationId xmlns:p14="http://schemas.microsoft.com/office/powerpoint/2010/main" val="1010608063"/>
+        <p14:creationId xmlns:p14="http://schemas.microsoft.com/office/powerpoint/2010/main" val="2825412819"/>
       </p:ext>
     </p:extLst>
   </p:cSld>
@@ -349,7 +349,7 @@
           <p:cNvPr id="2" name="标题 1">
             <a:extLst>
               <a:ext uri="{FF2B5EF4-FFF2-40B4-BE49-F238E27FC236}">
-                <a16:creationId xmlns:a16="http://schemas.microsoft.com/office/drawing/2014/main" id="{261D5827-4A15-6343-2018-7ED29C36A551}"/>
+                <a16:creationId xmlns:a16="http://schemas.microsoft.com/office/drawing/2014/main" id="{6AFC4E8F-7419-24D1-52E1-53C845A98EC4}"/>
               </a:ext>
             </a:extLst>
           </p:cNvPr>
@@ -377,7 +377,7 @@
           <p:cNvPr id="3" name="竖排文字占位符 2">
             <a:extLst>
               <a:ext uri="{FF2B5EF4-FFF2-40B4-BE49-F238E27FC236}">
-                <a16:creationId xmlns:a16="http://schemas.microsoft.com/office/drawing/2014/main" id="{AE0906F2-018B-B64A-9293-7EA0E91874EC}"/>
+                <a16:creationId xmlns:a16="http://schemas.microsoft.com/office/drawing/2014/main" id="{7A3E076B-98B0-AE65-DF1C-533F43CB11D7}"/>
               </a:ext>
             </a:extLst>
           </p:cNvPr>
@@ -434,7 +434,7 @@
           <p:cNvPr id="4" name="日期占位符 3">
             <a:extLst>
               <a:ext uri="{FF2B5EF4-FFF2-40B4-BE49-F238E27FC236}">
-                <a16:creationId xmlns:a16="http://schemas.microsoft.com/office/drawing/2014/main" id="{5147F43B-243D-D6FF-1040-3D986D283AF8}"/>
+                <a16:creationId xmlns:a16="http://schemas.microsoft.com/office/drawing/2014/main" id="{5BD0ABDC-9BCC-655C-E53C-577AF7BF95A1}"/>
               </a:ext>
             </a:extLst>
           </p:cNvPr>
@@ -450,7 +450,7 @@
           <a:bodyPr/>
           <a:lstStyle/>
           <a:p>
-            <a:fld id="{A71838C6-DCE9-400B-A470-32CCF6D799F4}" type="datetimeFigureOut">
+            <a:fld id="{8EBAB9D4-8CD7-44A8-8AEF-A8C8488AF5C3}" type="datetimeFigureOut">
               <a:rPr lang="zh-CN" altLang="en-US" smtClean="0"/>
               <a:t>2024/3/10</a:t>
             </a:fld>
@@ -463,7 +463,7 @@
           <p:cNvPr id="5" name="页脚占位符 4">
             <a:extLst>
               <a:ext uri="{FF2B5EF4-FFF2-40B4-BE49-F238E27FC236}">
-                <a16:creationId xmlns:a16="http://schemas.microsoft.com/office/drawing/2014/main" id="{10B1440B-63F3-A28B-F72F-9889F2F874D9}"/>
+                <a16:creationId xmlns:a16="http://schemas.microsoft.com/office/drawing/2014/main" id="{45A0BC61-4100-96C7-0A0A-5243F78FCC51}"/>
               </a:ext>
             </a:extLst>
           </p:cNvPr>
@@ -488,7 +488,7 @@
           <p:cNvPr id="6" name="灯片编号占位符 5">
             <a:extLst>
               <a:ext uri="{FF2B5EF4-FFF2-40B4-BE49-F238E27FC236}">
-                <a16:creationId xmlns:a16="http://schemas.microsoft.com/office/drawing/2014/main" id="{790C5B76-EB70-59E9-A606-53F4D0C14485}"/>
+                <a16:creationId xmlns:a16="http://schemas.microsoft.com/office/drawing/2014/main" id="{8E2CC3CF-C6E4-C81A-CB09-FC9CD9442510}"/>
               </a:ext>
             </a:extLst>
           </p:cNvPr>
@@ -504,7 +504,7 @@
           <a:bodyPr/>
           <a:lstStyle/>
           <a:p>
-            <a:fld id="{83E4DEDF-BA7E-4423-AB68-21120FF83E20}" type="slidenum">
+            <a:fld id="{7B3F3ED6-D68B-4C53-A452-362F3642B874}" type="slidenum">
               <a:rPr lang="zh-CN" altLang="en-US" smtClean="0"/>
               <a:t>‹#›</a:t>
             </a:fld>
@@ -515,7 +515,7 @@
     </p:spTree>
     <p:extLst>
       <p:ext uri="{BB962C8B-B14F-4D97-AF65-F5344CB8AC3E}">
-        <p14:creationId xmlns:p14="http://schemas.microsoft.com/office/powerpoint/2010/main" val="2109335932"/>
+        <p14:creationId xmlns:p14="http://schemas.microsoft.com/office/powerpoint/2010/main" val="1872013575"/>
       </p:ext>
     </p:extLst>
   </p:cSld>
@@ -547,7 +547,7 @@
           <p:cNvPr id="2" name="竖排标题 1">
             <a:extLst>
               <a:ext uri="{FF2B5EF4-FFF2-40B4-BE49-F238E27FC236}">
-                <a16:creationId xmlns:a16="http://schemas.microsoft.com/office/drawing/2014/main" id="{C4E36433-66DD-ECB7-FCB9-6C7923D30F22}"/>
+                <a16:creationId xmlns:a16="http://schemas.microsoft.com/office/drawing/2014/main" id="{B62E3DA3-43A6-FEFE-D0CB-DFBE3D94BF2A}"/>
               </a:ext>
             </a:extLst>
           </p:cNvPr>
@@ -580,7 +580,7 @@
           <p:cNvPr id="3" name="竖排文字占位符 2">
             <a:extLst>
               <a:ext uri="{FF2B5EF4-FFF2-40B4-BE49-F238E27FC236}">
-                <a16:creationId xmlns:a16="http://schemas.microsoft.com/office/drawing/2014/main" id="{B4212DE6-7269-BE70-7D36-6D12EFAD2973}"/>
+                <a16:creationId xmlns:a16="http://schemas.microsoft.com/office/drawing/2014/main" id="{1A6B76D3-3F2F-8458-CFC1-4BBA0848B018}"/>
               </a:ext>
             </a:extLst>
           </p:cNvPr>
@@ -642,7 +642,7 @@
           <p:cNvPr id="4" name="日期占位符 3">
             <a:extLst>
               <a:ext uri="{FF2B5EF4-FFF2-40B4-BE49-F238E27FC236}">
-                <a16:creationId xmlns:a16="http://schemas.microsoft.com/office/drawing/2014/main" id="{DF7F90D7-81E6-5258-1A62-0B30E9A370F1}"/>
+                <a16:creationId xmlns:a16="http://schemas.microsoft.com/office/drawing/2014/main" id="{67E8F0D5-DEC2-0116-3F90-BB3818C500FA}"/>
               </a:ext>
             </a:extLst>
           </p:cNvPr>
@@ -658,7 +658,7 @@
           <a:bodyPr/>
           <a:lstStyle/>
           <a:p>
-            <a:fld id="{A71838C6-DCE9-400B-A470-32CCF6D799F4}" type="datetimeFigureOut">
+            <a:fld id="{8EBAB9D4-8CD7-44A8-8AEF-A8C8488AF5C3}" type="datetimeFigureOut">
               <a:rPr lang="zh-CN" altLang="en-US" smtClean="0"/>
               <a:t>2024/3/10</a:t>
             </a:fld>
@@ -671,7 +671,7 @@
           <p:cNvPr id="5" name="页脚占位符 4">
             <a:extLst>
               <a:ext uri="{FF2B5EF4-FFF2-40B4-BE49-F238E27FC236}">
-                <a16:creationId xmlns:a16="http://schemas.microsoft.com/office/drawing/2014/main" id="{54B635BD-D978-F012-9820-E38684D4338E}"/>
+                <a16:creationId xmlns:a16="http://schemas.microsoft.com/office/drawing/2014/main" id="{AFEA5542-2209-46C8-F0CE-800CADF15784}"/>
               </a:ext>
             </a:extLst>
           </p:cNvPr>
@@ -696,7 +696,7 @@
           <p:cNvPr id="6" name="灯片编号占位符 5">
             <a:extLst>
               <a:ext uri="{FF2B5EF4-FFF2-40B4-BE49-F238E27FC236}">
-                <a16:creationId xmlns:a16="http://schemas.microsoft.com/office/drawing/2014/main" id="{FF8F266F-33C0-BE35-15D4-167402D2FA1F}"/>
+                <a16:creationId xmlns:a16="http://schemas.microsoft.com/office/drawing/2014/main" id="{CC6D2D88-F761-2D33-E6D6-1E271BF63E2C}"/>
               </a:ext>
             </a:extLst>
           </p:cNvPr>
@@ -712,7 +712,7 @@
           <a:bodyPr/>
           <a:lstStyle/>
           <a:p>
-            <a:fld id="{83E4DEDF-BA7E-4423-AB68-21120FF83E20}" type="slidenum">
+            <a:fld id="{7B3F3ED6-D68B-4C53-A452-362F3642B874}" type="slidenum">
               <a:rPr lang="zh-CN" altLang="en-US" smtClean="0"/>
               <a:t>‹#›</a:t>
             </a:fld>
@@ -723,7 +723,7 @@
     </p:spTree>
     <p:extLst>
       <p:ext uri="{BB962C8B-B14F-4D97-AF65-F5344CB8AC3E}">
-        <p14:creationId xmlns:p14="http://schemas.microsoft.com/office/powerpoint/2010/main" val="3974418667"/>
+        <p14:creationId xmlns:p14="http://schemas.microsoft.com/office/powerpoint/2010/main" val="2139737506"/>
       </p:ext>
     </p:extLst>
   </p:cSld>
@@ -755,7 +755,7 @@
           <p:cNvPr id="2" name="标题 1">
             <a:extLst>
               <a:ext uri="{FF2B5EF4-FFF2-40B4-BE49-F238E27FC236}">
-                <a16:creationId xmlns:a16="http://schemas.microsoft.com/office/drawing/2014/main" id="{EE5F7C6A-1764-3F03-302A-728F0AF4889A}"/>
+                <a16:creationId xmlns:a16="http://schemas.microsoft.com/office/drawing/2014/main" id="{E760ED38-932D-99B3-2CAE-1B425277E858}"/>
               </a:ext>
             </a:extLst>
           </p:cNvPr>
@@ -783,7 +783,7 @@
           <p:cNvPr id="3" name="内容占位符 2">
             <a:extLst>
               <a:ext uri="{FF2B5EF4-FFF2-40B4-BE49-F238E27FC236}">
-                <a16:creationId xmlns:a16="http://schemas.microsoft.com/office/drawing/2014/main" id="{5D5EF5DF-30B9-2E5B-0067-6C4D7C8EF3FA}"/>
+                <a16:creationId xmlns:a16="http://schemas.microsoft.com/office/drawing/2014/main" id="{B3D1E377-83FA-6B98-3998-66C59AD894F4}"/>
               </a:ext>
             </a:extLst>
           </p:cNvPr>
@@ -840,7 +840,7 @@
           <p:cNvPr id="4" name="日期占位符 3">
             <a:extLst>
               <a:ext uri="{FF2B5EF4-FFF2-40B4-BE49-F238E27FC236}">
-                <a16:creationId xmlns:a16="http://schemas.microsoft.com/office/drawing/2014/main" id="{9CB33B1F-E123-D5CF-8B72-A44C80C66D8E}"/>
+                <a16:creationId xmlns:a16="http://schemas.microsoft.com/office/drawing/2014/main" id="{3387DC96-73C3-FEE9-B6C7-BDF32BA00252}"/>
               </a:ext>
             </a:extLst>
           </p:cNvPr>
@@ -856,7 +856,7 @@
           <a:bodyPr/>
           <a:lstStyle/>
           <a:p>
-            <a:fld id="{A71838C6-DCE9-400B-A470-32CCF6D799F4}" type="datetimeFigureOut">
+            <a:fld id="{8EBAB9D4-8CD7-44A8-8AEF-A8C8488AF5C3}" type="datetimeFigureOut">
               <a:rPr lang="zh-CN" altLang="en-US" smtClean="0"/>
               <a:t>2024/3/10</a:t>
             </a:fld>
@@ -869,7 +869,7 @@
           <p:cNvPr id="5" name="页脚占位符 4">
             <a:extLst>
               <a:ext uri="{FF2B5EF4-FFF2-40B4-BE49-F238E27FC236}">
-                <a16:creationId xmlns:a16="http://schemas.microsoft.com/office/drawing/2014/main" id="{BAC22BC5-EAFB-0033-33A8-D458E68D4D76}"/>
+                <a16:creationId xmlns:a16="http://schemas.microsoft.com/office/drawing/2014/main" id="{F1BD6761-03C9-73AF-97BF-2C4E1E5CEAE7}"/>
               </a:ext>
             </a:extLst>
           </p:cNvPr>
@@ -894,7 +894,7 @@
           <p:cNvPr id="6" name="灯片编号占位符 5">
             <a:extLst>
               <a:ext uri="{FF2B5EF4-FFF2-40B4-BE49-F238E27FC236}">
-                <a16:creationId xmlns:a16="http://schemas.microsoft.com/office/drawing/2014/main" id="{4E9EBCA3-4BCF-68A2-00B8-5B3A2BE92BF6}"/>
+                <a16:creationId xmlns:a16="http://schemas.microsoft.com/office/drawing/2014/main" id="{042E2071-89BE-5AF3-613D-1B264728E45A}"/>
               </a:ext>
             </a:extLst>
           </p:cNvPr>
@@ -910,7 +910,7 @@
           <a:bodyPr/>
           <a:lstStyle/>
           <a:p>
-            <a:fld id="{83E4DEDF-BA7E-4423-AB68-21120FF83E20}" type="slidenum">
+            <a:fld id="{7B3F3ED6-D68B-4C53-A452-362F3642B874}" type="slidenum">
               <a:rPr lang="zh-CN" altLang="en-US" smtClean="0"/>
               <a:t>‹#›</a:t>
             </a:fld>
@@ -921,7 +921,7 @@
     </p:spTree>
     <p:extLst>
       <p:ext uri="{BB962C8B-B14F-4D97-AF65-F5344CB8AC3E}">
-        <p14:creationId xmlns:p14="http://schemas.microsoft.com/office/powerpoint/2010/main" val="2188229287"/>
+        <p14:creationId xmlns:p14="http://schemas.microsoft.com/office/powerpoint/2010/main" val="2489973569"/>
       </p:ext>
     </p:extLst>
   </p:cSld>
@@ -953,7 +953,7 @@
           <p:cNvPr id="2" name="标题 1">
             <a:extLst>
               <a:ext uri="{FF2B5EF4-FFF2-40B4-BE49-F238E27FC236}">
-                <a16:creationId xmlns:a16="http://schemas.microsoft.com/office/drawing/2014/main" id="{76BB2A05-E4E0-828A-BC96-8298237B013A}"/>
+                <a16:creationId xmlns:a16="http://schemas.microsoft.com/office/drawing/2014/main" id="{CCA713E0-B007-6750-42AA-3C52FF054A96}"/>
               </a:ext>
             </a:extLst>
           </p:cNvPr>
@@ -990,7 +990,7 @@
           <p:cNvPr id="3" name="文本占位符 2">
             <a:extLst>
               <a:ext uri="{FF2B5EF4-FFF2-40B4-BE49-F238E27FC236}">
-                <a16:creationId xmlns:a16="http://schemas.microsoft.com/office/drawing/2014/main" id="{95F3EE74-A6FF-3073-1C29-4E37DA987B7F}"/>
+                <a16:creationId xmlns:a16="http://schemas.microsoft.com/office/drawing/2014/main" id="{8E91365F-14C3-5EC0-647F-15E9B0BD21C8}"/>
               </a:ext>
             </a:extLst>
           </p:cNvPr>
@@ -1115,7 +1115,7 @@
           <p:cNvPr id="4" name="日期占位符 3">
             <a:extLst>
               <a:ext uri="{FF2B5EF4-FFF2-40B4-BE49-F238E27FC236}">
-                <a16:creationId xmlns:a16="http://schemas.microsoft.com/office/drawing/2014/main" id="{F90E298B-D8EC-6B02-E03A-22027A518A7D}"/>
+                <a16:creationId xmlns:a16="http://schemas.microsoft.com/office/drawing/2014/main" id="{34BE7AEC-EF7C-2773-B444-F2E50C212E33}"/>
               </a:ext>
             </a:extLst>
           </p:cNvPr>
@@ -1131,7 +1131,7 @@
           <a:bodyPr/>
           <a:lstStyle/>
           <a:p>
-            <a:fld id="{A71838C6-DCE9-400B-A470-32CCF6D799F4}" type="datetimeFigureOut">
+            <a:fld id="{8EBAB9D4-8CD7-44A8-8AEF-A8C8488AF5C3}" type="datetimeFigureOut">
               <a:rPr lang="zh-CN" altLang="en-US" smtClean="0"/>
               <a:t>2024/3/10</a:t>
             </a:fld>
@@ -1144,7 +1144,7 @@
           <p:cNvPr id="5" name="页脚占位符 4">
             <a:extLst>
               <a:ext uri="{FF2B5EF4-FFF2-40B4-BE49-F238E27FC236}">
-                <a16:creationId xmlns:a16="http://schemas.microsoft.com/office/drawing/2014/main" id="{CB9812F3-735D-A39C-F587-481BA3EE1BCB}"/>
+                <a16:creationId xmlns:a16="http://schemas.microsoft.com/office/drawing/2014/main" id="{81A6B99B-8EBE-12BB-F935-807DA1C9351C}"/>
               </a:ext>
             </a:extLst>
           </p:cNvPr>
@@ -1169,7 +1169,7 @@
           <p:cNvPr id="6" name="灯片编号占位符 5">
             <a:extLst>
               <a:ext uri="{FF2B5EF4-FFF2-40B4-BE49-F238E27FC236}">
-                <a16:creationId xmlns:a16="http://schemas.microsoft.com/office/drawing/2014/main" id="{A013140C-6C79-082F-1E97-82441469F582}"/>
+                <a16:creationId xmlns:a16="http://schemas.microsoft.com/office/drawing/2014/main" id="{40794AEC-E97C-BDC0-F043-34851502A564}"/>
               </a:ext>
             </a:extLst>
           </p:cNvPr>
@@ -1185,7 +1185,7 @@
           <a:bodyPr/>
           <a:lstStyle/>
           <a:p>
-            <a:fld id="{83E4DEDF-BA7E-4423-AB68-21120FF83E20}" type="slidenum">
+            <a:fld id="{7B3F3ED6-D68B-4C53-A452-362F3642B874}" type="slidenum">
               <a:rPr lang="zh-CN" altLang="en-US" smtClean="0"/>
               <a:t>‹#›</a:t>
             </a:fld>
@@ -1196,7 +1196,7 @@
     </p:spTree>
     <p:extLst>
       <p:ext uri="{BB962C8B-B14F-4D97-AF65-F5344CB8AC3E}">
-        <p14:creationId xmlns:p14="http://schemas.microsoft.com/office/powerpoint/2010/main" val="1571077095"/>
+        <p14:creationId xmlns:p14="http://schemas.microsoft.com/office/powerpoint/2010/main" val="1749822864"/>
       </p:ext>
     </p:extLst>
   </p:cSld>
@@ -1228,7 +1228,7 @@
           <p:cNvPr id="2" name="标题 1">
             <a:extLst>
               <a:ext uri="{FF2B5EF4-FFF2-40B4-BE49-F238E27FC236}">
-                <a16:creationId xmlns:a16="http://schemas.microsoft.com/office/drawing/2014/main" id="{9C703AE8-DEC9-7BB0-3BC0-D1C0E9D6674E}"/>
+                <a16:creationId xmlns:a16="http://schemas.microsoft.com/office/drawing/2014/main" id="{74FB7F75-26CC-6030-ABC6-2711A9761DF5}"/>
               </a:ext>
             </a:extLst>
           </p:cNvPr>
@@ -1256,7 +1256,7 @@
           <p:cNvPr id="3" name="内容占位符 2">
             <a:extLst>
               <a:ext uri="{FF2B5EF4-FFF2-40B4-BE49-F238E27FC236}">
-                <a16:creationId xmlns:a16="http://schemas.microsoft.com/office/drawing/2014/main" id="{443B2B80-8605-D130-FA25-F752373421BC}"/>
+                <a16:creationId xmlns:a16="http://schemas.microsoft.com/office/drawing/2014/main" id="{55C260E3-C937-D308-EEF8-B206AEFF380A}"/>
               </a:ext>
             </a:extLst>
           </p:cNvPr>
@@ -1318,7 +1318,7 @@
           <p:cNvPr id="4" name="内容占位符 3">
             <a:extLst>
               <a:ext uri="{FF2B5EF4-FFF2-40B4-BE49-F238E27FC236}">
-                <a16:creationId xmlns:a16="http://schemas.microsoft.com/office/drawing/2014/main" id="{5AD18726-E683-0729-AD50-3155AF48D08C}"/>
+                <a16:creationId xmlns:a16="http://schemas.microsoft.com/office/drawing/2014/main" id="{9F0C1F48-A626-84DA-79D9-40236F31A331}"/>
               </a:ext>
             </a:extLst>
           </p:cNvPr>
@@ -1380,7 +1380,7 @@
           <p:cNvPr id="5" name="日期占位符 4">
             <a:extLst>
               <a:ext uri="{FF2B5EF4-FFF2-40B4-BE49-F238E27FC236}">
-                <a16:creationId xmlns:a16="http://schemas.microsoft.com/office/drawing/2014/main" id="{06EF46C7-6ED0-B723-30BE-3DD28DE366C5}"/>
+                <a16:creationId xmlns:a16="http://schemas.microsoft.com/office/drawing/2014/main" id="{74D5390F-E46B-9397-A716-0A613269D4CA}"/>
               </a:ext>
             </a:extLst>
           </p:cNvPr>
@@ -1396,7 +1396,7 @@
           <a:bodyPr/>
           <a:lstStyle/>
           <a:p>
-            <a:fld id="{A71838C6-DCE9-400B-A470-32CCF6D799F4}" type="datetimeFigureOut">
+            <a:fld id="{8EBAB9D4-8CD7-44A8-8AEF-A8C8488AF5C3}" type="datetimeFigureOut">
               <a:rPr lang="zh-CN" altLang="en-US" smtClean="0"/>
               <a:t>2024/3/10</a:t>
             </a:fld>
@@ -1409,7 +1409,7 @@
           <p:cNvPr id="6" name="页脚占位符 5">
             <a:extLst>
               <a:ext uri="{FF2B5EF4-FFF2-40B4-BE49-F238E27FC236}">
-                <a16:creationId xmlns:a16="http://schemas.microsoft.com/office/drawing/2014/main" id="{21273277-294A-61AC-DDA8-9AE1F115DFFE}"/>
+                <a16:creationId xmlns:a16="http://schemas.microsoft.com/office/drawing/2014/main" id="{84A40318-FCE3-9EDD-F1B8-F500B4AF8550}"/>
               </a:ext>
             </a:extLst>
           </p:cNvPr>
@@ -1434,7 +1434,7 @@
           <p:cNvPr id="7" name="灯片编号占位符 6">
             <a:extLst>
               <a:ext uri="{FF2B5EF4-FFF2-40B4-BE49-F238E27FC236}">
-                <a16:creationId xmlns:a16="http://schemas.microsoft.com/office/drawing/2014/main" id="{D5518BE3-9CA6-B8BB-B06F-D18E140A0A42}"/>
+                <a16:creationId xmlns:a16="http://schemas.microsoft.com/office/drawing/2014/main" id="{03667777-89BC-DC5A-96AF-1D7F204C0BB4}"/>
               </a:ext>
             </a:extLst>
           </p:cNvPr>
@@ -1450,7 +1450,7 @@
           <a:bodyPr/>
           <a:lstStyle/>
           <a:p>
-            <a:fld id="{83E4DEDF-BA7E-4423-AB68-21120FF83E20}" type="slidenum">
+            <a:fld id="{7B3F3ED6-D68B-4C53-A452-362F3642B874}" type="slidenum">
               <a:rPr lang="zh-CN" altLang="en-US" smtClean="0"/>
               <a:t>‹#›</a:t>
             </a:fld>
@@ -1461,7 +1461,7 @@
     </p:spTree>
     <p:extLst>
       <p:ext uri="{BB962C8B-B14F-4D97-AF65-F5344CB8AC3E}">
-        <p14:creationId xmlns:p14="http://schemas.microsoft.com/office/powerpoint/2010/main" val="3784957481"/>
+        <p14:creationId xmlns:p14="http://schemas.microsoft.com/office/powerpoint/2010/main" val="4281610996"/>
       </p:ext>
     </p:extLst>
   </p:cSld>
@@ -1493,7 +1493,7 @@
           <p:cNvPr id="2" name="标题 1">
             <a:extLst>
               <a:ext uri="{FF2B5EF4-FFF2-40B4-BE49-F238E27FC236}">
-                <a16:creationId xmlns:a16="http://schemas.microsoft.com/office/drawing/2014/main" id="{2453025D-42C4-E369-221B-34E4063AFCF4}"/>
+                <a16:creationId xmlns:a16="http://schemas.microsoft.com/office/drawing/2014/main" id="{18680BA7-0336-9231-88D7-9EE5A12FEFD2}"/>
               </a:ext>
             </a:extLst>
           </p:cNvPr>
@@ -1526,7 +1526,7 @@
           <p:cNvPr id="3" name="文本占位符 2">
             <a:extLst>
               <a:ext uri="{FF2B5EF4-FFF2-40B4-BE49-F238E27FC236}">
-                <a16:creationId xmlns:a16="http://schemas.microsoft.com/office/drawing/2014/main" id="{BFE55E4B-27A0-24B3-D4BE-D5BBD90E77AE}"/>
+                <a16:creationId xmlns:a16="http://schemas.microsoft.com/office/drawing/2014/main" id="{B107B784-C119-2EEF-1E8C-A0780AA22FDC}"/>
               </a:ext>
             </a:extLst>
           </p:cNvPr>
@@ -1597,7 +1597,7 @@
           <p:cNvPr id="4" name="内容占位符 3">
             <a:extLst>
               <a:ext uri="{FF2B5EF4-FFF2-40B4-BE49-F238E27FC236}">
-                <a16:creationId xmlns:a16="http://schemas.microsoft.com/office/drawing/2014/main" id="{24F5A063-B31C-F8E3-8FC4-EDBF56FFF442}"/>
+                <a16:creationId xmlns:a16="http://schemas.microsoft.com/office/drawing/2014/main" id="{46C7E295-A774-4DDF-3350-40F576FEDB8E}"/>
               </a:ext>
             </a:extLst>
           </p:cNvPr>
@@ -1659,7 +1659,7 @@
           <p:cNvPr id="5" name="文本占位符 4">
             <a:extLst>
               <a:ext uri="{FF2B5EF4-FFF2-40B4-BE49-F238E27FC236}">
-                <a16:creationId xmlns:a16="http://schemas.microsoft.com/office/drawing/2014/main" id="{6BEE3839-45F7-E3B6-E28C-8103D4B2FC30}"/>
+                <a16:creationId xmlns:a16="http://schemas.microsoft.com/office/drawing/2014/main" id="{07B1FBB8-CD8B-83AD-B290-BEF759ED119C}"/>
               </a:ext>
             </a:extLst>
           </p:cNvPr>
@@ -1730,7 +1730,7 @@
           <p:cNvPr id="6" name="内容占位符 5">
             <a:extLst>
               <a:ext uri="{FF2B5EF4-FFF2-40B4-BE49-F238E27FC236}">
-                <a16:creationId xmlns:a16="http://schemas.microsoft.com/office/drawing/2014/main" id="{758C3B8E-DBB3-399E-4B62-238A5C9DBBC3}"/>
+                <a16:creationId xmlns:a16="http://schemas.microsoft.com/office/drawing/2014/main" id="{CE694ACD-8CC2-A70E-3898-3F48716CF369}"/>
               </a:ext>
             </a:extLst>
           </p:cNvPr>
@@ -1792,7 +1792,7 @@
           <p:cNvPr id="7" name="日期占位符 6">
             <a:extLst>
               <a:ext uri="{FF2B5EF4-FFF2-40B4-BE49-F238E27FC236}">
-                <a16:creationId xmlns:a16="http://schemas.microsoft.com/office/drawing/2014/main" id="{610A044C-0F0E-B2D4-EA3B-61EEB212F43D}"/>
+                <a16:creationId xmlns:a16="http://schemas.microsoft.com/office/drawing/2014/main" id="{D4378879-F5E1-25CC-6EEF-014013F92F24}"/>
               </a:ext>
             </a:extLst>
           </p:cNvPr>
@@ -1808,7 +1808,7 @@
           <a:bodyPr/>
           <a:lstStyle/>
           <a:p>
-            <a:fld id="{A71838C6-DCE9-400B-A470-32CCF6D799F4}" type="datetimeFigureOut">
+            <a:fld id="{8EBAB9D4-8CD7-44A8-8AEF-A8C8488AF5C3}" type="datetimeFigureOut">
               <a:rPr lang="zh-CN" altLang="en-US" smtClean="0"/>
               <a:t>2024/3/10</a:t>
             </a:fld>
@@ -1821,7 +1821,7 @@
           <p:cNvPr id="8" name="页脚占位符 7">
             <a:extLst>
               <a:ext uri="{FF2B5EF4-FFF2-40B4-BE49-F238E27FC236}">
-                <a16:creationId xmlns:a16="http://schemas.microsoft.com/office/drawing/2014/main" id="{2FE34CE7-3FB3-B3E1-0733-8E1B721C0B3E}"/>
+                <a16:creationId xmlns:a16="http://schemas.microsoft.com/office/drawing/2014/main" id="{2227062F-C4EC-0672-0479-77AD4FE2FC51}"/>
               </a:ext>
             </a:extLst>
           </p:cNvPr>
@@ -1846,7 +1846,7 @@
           <p:cNvPr id="9" name="灯片编号占位符 8">
             <a:extLst>
               <a:ext uri="{FF2B5EF4-FFF2-40B4-BE49-F238E27FC236}">
-                <a16:creationId xmlns:a16="http://schemas.microsoft.com/office/drawing/2014/main" id="{18DC5DC3-9502-737E-92E9-BB26D1E7021D}"/>
+                <a16:creationId xmlns:a16="http://schemas.microsoft.com/office/drawing/2014/main" id="{9E732557-09AB-44CB-CB5C-4D5B9060202D}"/>
               </a:ext>
             </a:extLst>
           </p:cNvPr>
@@ -1862,7 +1862,7 @@
           <a:bodyPr/>
           <a:lstStyle/>
           <a:p>
-            <a:fld id="{83E4DEDF-BA7E-4423-AB68-21120FF83E20}" type="slidenum">
+            <a:fld id="{7B3F3ED6-D68B-4C53-A452-362F3642B874}" type="slidenum">
               <a:rPr lang="zh-CN" altLang="en-US" smtClean="0"/>
               <a:t>‹#›</a:t>
             </a:fld>
@@ -1873,7 +1873,7 @@
     </p:spTree>
     <p:extLst>
       <p:ext uri="{BB962C8B-B14F-4D97-AF65-F5344CB8AC3E}">
-        <p14:creationId xmlns:p14="http://schemas.microsoft.com/office/powerpoint/2010/main" val="4238099056"/>
+        <p14:creationId xmlns:p14="http://schemas.microsoft.com/office/powerpoint/2010/main" val="3841274252"/>
       </p:ext>
     </p:extLst>
   </p:cSld>
@@ -1905,7 +1905,7 @@
           <p:cNvPr id="2" name="标题 1">
             <a:extLst>
               <a:ext uri="{FF2B5EF4-FFF2-40B4-BE49-F238E27FC236}">
-                <a16:creationId xmlns:a16="http://schemas.microsoft.com/office/drawing/2014/main" id="{F661A015-D76F-2AC3-9DB2-1770D967C389}"/>
+                <a16:creationId xmlns:a16="http://schemas.microsoft.com/office/drawing/2014/main" id="{7894F42C-1BF9-ACDC-D228-55BF92A2A600}"/>
               </a:ext>
             </a:extLst>
           </p:cNvPr>
@@ -1933,7 +1933,7 @@
           <p:cNvPr id="3" name="日期占位符 2">
             <a:extLst>
               <a:ext uri="{FF2B5EF4-FFF2-40B4-BE49-F238E27FC236}">
-                <a16:creationId xmlns:a16="http://schemas.microsoft.com/office/drawing/2014/main" id="{43DF8C5F-2803-9A33-F5B4-F1F70D7E05D5}"/>
+                <a16:creationId xmlns:a16="http://schemas.microsoft.com/office/drawing/2014/main" id="{94A4850A-7EEC-CBA3-DC63-D9F9C22F6253}"/>
               </a:ext>
             </a:extLst>
           </p:cNvPr>
@@ -1949,7 +1949,7 @@
           <a:bodyPr/>
           <a:lstStyle/>
           <a:p>
-            <a:fld id="{A71838C6-DCE9-400B-A470-32CCF6D799F4}" type="datetimeFigureOut">
+            <a:fld id="{8EBAB9D4-8CD7-44A8-8AEF-A8C8488AF5C3}" type="datetimeFigureOut">
               <a:rPr lang="zh-CN" altLang="en-US" smtClean="0"/>
               <a:t>2024/3/10</a:t>
             </a:fld>
@@ -1962,7 +1962,7 @@
           <p:cNvPr id="4" name="页脚占位符 3">
             <a:extLst>
               <a:ext uri="{FF2B5EF4-FFF2-40B4-BE49-F238E27FC236}">
-                <a16:creationId xmlns:a16="http://schemas.microsoft.com/office/drawing/2014/main" id="{E6578F9A-822D-E15D-529B-C79EB9C7D19F}"/>
+                <a16:creationId xmlns:a16="http://schemas.microsoft.com/office/drawing/2014/main" id="{6C05E58C-B4E1-17AD-72D3-E0F1240E6977}"/>
               </a:ext>
             </a:extLst>
           </p:cNvPr>
@@ -1987,7 +1987,7 @@
           <p:cNvPr id="5" name="灯片编号占位符 4">
             <a:extLst>
               <a:ext uri="{FF2B5EF4-FFF2-40B4-BE49-F238E27FC236}">
-                <a16:creationId xmlns:a16="http://schemas.microsoft.com/office/drawing/2014/main" id="{E5F93090-28F5-9005-5652-F677DE8E2CE4}"/>
+                <a16:creationId xmlns:a16="http://schemas.microsoft.com/office/drawing/2014/main" id="{3B11B611-982C-AD62-8C4A-E285F8ACA949}"/>
               </a:ext>
             </a:extLst>
           </p:cNvPr>
@@ -2003,7 +2003,7 @@
           <a:bodyPr/>
           <a:lstStyle/>
           <a:p>
-            <a:fld id="{83E4DEDF-BA7E-4423-AB68-21120FF83E20}" type="slidenum">
+            <a:fld id="{7B3F3ED6-D68B-4C53-A452-362F3642B874}" type="slidenum">
               <a:rPr lang="zh-CN" altLang="en-US" smtClean="0"/>
               <a:t>‹#›</a:t>
             </a:fld>
@@ -2014,7 +2014,7 @@
     </p:spTree>
     <p:extLst>
       <p:ext uri="{BB962C8B-B14F-4D97-AF65-F5344CB8AC3E}">
-        <p14:creationId xmlns:p14="http://schemas.microsoft.com/office/powerpoint/2010/main" val="1582358741"/>
+        <p14:creationId xmlns:p14="http://schemas.microsoft.com/office/powerpoint/2010/main" val="1207871885"/>
       </p:ext>
     </p:extLst>
   </p:cSld>
@@ -2046,7 +2046,7 @@
           <p:cNvPr id="2" name="日期占位符 1">
             <a:extLst>
               <a:ext uri="{FF2B5EF4-FFF2-40B4-BE49-F238E27FC236}">
-                <a16:creationId xmlns:a16="http://schemas.microsoft.com/office/drawing/2014/main" id="{8D297CBA-0F66-2935-8E89-6BBFCF265360}"/>
+                <a16:creationId xmlns:a16="http://schemas.microsoft.com/office/drawing/2014/main" id="{2C403C69-EC04-6313-A0CD-8BE45ADAA77F}"/>
               </a:ext>
             </a:extLst>
           </p:cNvPr>
@@ -2062,7 +2062,7 @@
           <a:bodyPr/>
           <a:lstStyle/>
           <a:p>
-            <a:fld id="{A71838C6-DCE9-400B-A470-32CCF6D799F4}" type="datetimeFigureOut">
+            <a:fld id="{8EBAB9D4-8CD7-44A8-8AEF-A8C8488AF5C3}" type="datetimeFigureOut">
               <a:rPr lang="zh-CN" altLang="en-US" smtClean="0"/>
               <a:t>2024/3/10</a:t>
             </a:fld>
@@ -2075,7 +2075,7 @@
           <p:cNvPr id="3" name="页脚占位符 2">
             <a:extLst>
               <a:ext uri="{FF2B5EF4-FFF2-40B4-BE49-F238E27FC236}">
-                <a16:creationId xmlns:a16="http://schemas.microsoft.com/office/drawing/2014/main" id="{D95A69F7-77EF-5435-1DC1-0F51F7D4A2A8}"/>
+                <a16:creationId xmlns:a16="http://schemas.microsoft.com/office/drawing/2014/main" id="{035A9012-7718-142E-2BA9-A8E3194F2B1E}"/>
               </a:ext>
             </a:extLst>
           </p:cNvPr>
@@ -2100,7 +2100,7 @@
           <p:cNvPr id="4" name="灯片编号占位符 3">
             <a:extLst>
               <a:ext uri="{FF2B5EF4-FFF2-40B4-BE49-F238E27FC236}">
-                <a16:creationId xmlns:a16="http://schemas.microsoft.com/office/drawing/2014/main" id="{353949F0-EAED-0107-2257-C25836838F30}"/>
+                <a16:creationId xmlns:a16="http://schemas.microsoft.com/office/drawing/2014/main" id="{91703EFB-F761-8CC0-9FE2-0579A37B0D21}"/>
               </a:ext>
             </a:extLst>
           </p:cNvPr>
@@ -2116,7 +2116,7 @@
           <a:bodyPr/>
           <a:lstStyle/>
           <a:p>
-            <a:fld id="{83E4DEDF-BA7E-4423-AB68-21120FF83E20}" type="slidenum">
+            <a:fld id="{7B3F3ED6-D68B-4C53-A452-362F3642B874}" type="slidenum">
               <a:rPr lang="zh-CN" altLang="en-US" smtClean="0"/>
               <a:t>‹#›</a:t>
             </a:fld>
@@ -2127,7 +2127,7 @@
     </p:spTree>
     <p:extLst>
       <p:ext uri="{BB962C8B-B14F-4D97-AF65-F5344CB8AC3E}">
-        <p14:creationId xmlns:p14="http://schemas.microsoft.com/office/powerpoint/2010/main" val="2483928869"/>
+        <p14:creationId xmlns:p14="http://schemas.microsoft.com/office/powerpoint/2010/main" val="3425342061"/>
       </p:ext>
     </p:extLst>
   </p:cSld>
@@ -2159,7 +2159,7 @@
           <p:cNvPr id="2" name="标题 1">
             <a:extLst>
               <a:ext uri="{FF2B5EF4-FFF2-40B4-BE49-F238E27FC236}">
-                <a16:creationId xmlns:a16="http://schemas.microsoft.com/office/drawing/2014/main" id="{BF4337D6-CC17-FC6E-4995-3827A7BD3BD8}"/>
+                <a16:creationId xmlns:a16="http://schemas.microsoft.com/office/drawing/2014/main" id="{7D4F5F30-21EF-AA36-9CD4-D504565F40C7}"/>
               </a:ext>
             </a:extLst>
           </p:cNvPr>
@@ -2196,7 +2196,7 @@
           <p:cNvPr id="3" name="内容占位符 2">
             <a:extLst>
               <a:ext uri="{FF2B5EF4-FFF2-40B4-BE49-F238E27FC236}">
-                <a16:creationId xmlns:a16="http://schemas.microsoft.com/office/drawing/2014/main" id="{2C6D85CD-9E0E-EA93-71B4-43D542D0E6AC}"/>
+                <a16:creationId xmlns:a16="http://schemas.microsoft.com/office/drawing/2014/main" id="{3842879F-4752-E9F9-7A28-7166186A4EEA}"/>
               </a:ext>
             </a:extLst>
           </p:cNvPr>
@@ -2286,7 +2286,7 @@
           <p:cNvPr id="4" name="文本占位符 3">
             <a:extLst>
               <a:ext uri="{FF2B5EF4-FFF2-40B4-BE49-F238E27FC236}">
-                <a16:creationId xmlns:a16="http://schemas.microsoft.com/office/drawing/2014/main" id="{E5FAD2FA-63CC-4B71-EAB9-7EA87A242955}"/>
+                <a16:creationId xmlns:a16="http://schemas.microsoft.com/office/drawing/2014/main" id="{7BBCF827-0428-B712-0D79-3F43F3CD80EF}"/>
               </a:ext>
             </a:extLst>
           </p:cNvPr>
@@ -2357,7 +2357,7 @@
           <p:cNvPr id="5" name="日期占位符 4">
             <a:extLst>
               <a:ext uri="{FF2B5EF4-FFF2-40B4-BE49-F238E27FC236}">
-                <a16:creationId xmlns:a16="http://schemas.microsoft.com/office/drawing/2014/main" id="{41C1CF27-CFA7-58E2-8032-64A68FAB6986}"/>
+                <a16:creationId xmlns:a16="http://schemas.microsoft.com/office/drawing/2014/main" id="{1F631898-1464-B6C0-4513-F50D631D483E}"/>
               </a:ext>
             </a:extLst>
           </p:cNvPr>
@@ -2373,7 +2373,7 @@
           <a:bodyPr/>
           <a:lstStyle/>
           <a:p>
-            <a:fld id="{A71838C6-DCE9-400B-A470-32CCF6D799F4}" type="datetimeFigureOut">
+            <a:fld id="{8EBAB9D4-8CD7-44A8-8AEF-A8C8488AF5C3}" type="datetimeFigureOut">
               <a:rPr lang="zh-CN" altLang="en-US" smtClean="0"/>
               <a:t>2024/3/10</a:t>
             </a:fld>
@@ -2386,7 +2386,7 @@
           <p:cNvPr id="6" name="页脚占位符 5">
             <a:extLst>
               <a:ext uri="{FF2B5EF4-FFF2-40B4-BE49-F238E27FC236}">
-                <a16:creationId xmlns:a16="http://schemas.microsoft.com/office/drawing/2014/main" id="{ABD1608D-9142-41EF-E94B-9D6C4117826B}"/>
+                <a16:creationId xmlns:a16="http://schemas.microsoft.com/office/drawing/2014/main" id="{C804188F-D6C5-B7A7-0F24-1E4D4745AD28}"/>
               </a:ext>
             </a:extLst>
           </p:cNvPr>
@@ -2411,7 +2411,7 @@
           <p:cNvPr id="7" name="灯片编号占位符 6">
             <a:extLst>
               <a:ext uri="{FF2B5EF4-FFF2-40B4-BE49-F238E27FC236}">
-                <a16:creationId xmlns:a16="http://schemas.microsoft.com/office/drawing/2014/main" id="{36D30778-3B3A-65C6-9FC6-669EEF45DE5E}"/>
+                <a16:creationId xmlns:a16="http://schemas.microsoft.com/office/drawing/2014/main" id="{EF50F836-F0A6-B942-F518-0512E44787F9}"/>
               </a:ext>
             </a:extLst>
           </p:cNvPr>
@@ -2427,7 +2427,7 @@
           <a:bodyPr/>
           <a:lstStyle/>
           <a:p>
-            <a:fld id="{83E4DEDF-BA7E-4423-AB68-21120FF83E20}" type="slidenum">
+            <a:fld id="{7B3F3ED6-D68B-4C53-A452-362F3642B874}" type="slidenum">
               <a:rPr lang="zh-CN" altLang="en-US" smtClean="0"/>
               <a:t>‹#›</a:t>
             </a:fld>
@@ -2438,7 +2438,7 @@
     </p:spTree>
     <p:extLst>
       <p:ext uri="{BB962C8B-B14F-4D97-AF65-F5344CB8AC3E}">
-        <p14:creationId xmlns:p14="http://schemas.microsoft.com/office/powerpoint/2010/main" val="1974802598"/>
+        <p14:creationId xmlns:p14="http://schemas.microsoft.com/office/powerpoint/2010/main" val="1542734325"/>
       </p:ext>
     </p:extLst>
   </p:cSld>
@@ -2470,7 +2470,7 @@
           <p:cNvPr id="2" name="标题 1">
             <a:extLst>
               <a:ext uri="{FF2B5EF4-FFF2-40B4-BE49-F238E27FC236}">
-                <a16:creationId xmlns:a16="http://schemas.microsoft.com/office/drawing/2014/main" id="{0887321B-7F2A-8783-F41A-6591B2C88CB4}"/>
+                <a16:creationId xmlns:a16="http://schemas.microsoft.com/office/drawing/2014/main" id="{E1BEEE42-8433-F658-7A09-46364000237F}"/>
               </a:ext>
             </a:extLst>
           </p:cNvPr>
@@ -2507,7 +2507,7 @@
           <p:cNvPr id="3" name="图片占位符 2">
             <a:extLst>
               <a:ext uri="{FF2B5EF4-FFF2-40B4-BE49-F238E27FC236}">
-                <a16:creationId xmlns:a16="http://schemas.microsoft.com/office/drawing/2014/main" id="{BD6E66D5-A3B8-2365-5C4F-D56C524B213F}"/>
+                <a16:creationId xmlns:a16="http://schemas.microsoft.com/office/drawing/2014/main" id="{784C67FA-7F5F-A1E8-EE0B-8D6F95A524E4}"/>
               </a:ext>
             </a:extLst>
           </p:cNvPr>
@@ -2574,7 +2574,7 @@
           <p:cNvPr id="4" name="文本占位符 3">
             <a:extLst>
               <a:ext uri="{FF2B5EF4-FFF2-40B4-BE49-F238E27FC236}">
-                <a16:creationId xmlns:a16="http://schemas.microsoft.com/office/drawing/2014/main" id="{8784B33E-F721-CDD2-0AC8-7BA69D6C0E7E}"/>
+                <a16:creationId xmlns:a16="http://schemas.microsoft.com/office/drawing/2014/main" id="{F0214837-9059-B4CD-80D2-692A1AD98841}"/>
               </a:ext>
             </a:extLst>
           </p:cNvPr>
@@ -2645,7 +2645,7 @@
           <p:cNvPr id="5" name="日期占位符 4">
             <a:extLst>
               <a:ext uri="{FF2B5EF4-FFF2-40B4-BE49-F238E27FC236}">
-                <a16:creationId xmlns:a16="http://schemas.microsoft.com/office/drawing/2014/main" id="{BC77CC0D-F2D0-9DC0-2BE5-1E36F0EA0030}"/>
+                <a16:creationId xmlns:a16="http://schemas.microsoft.com/office/drawing/2014/main" id="{195A4E7D-A3B6-552A-F7A0-4322407AC750}"/>
               </a:ext>
             </a:extLst>
           </p:cNvPr>
@@ -2661,7 +2661,7 @@
           <a:bodyPr/>
           <a:lstStyle/>
           <a:p>
-            <a:fld id="{A71838C6-DCE9-400B-A470-32CCF6D799F4}" type="datetimeFigureOut">
+            <a:fld id="{8EBAB9D4-8CD7-44A8-8AEF-A8C8488AF5C3}" type="datetimeFigureOut">
               <a:rPr lang="zh-CN" altLang="en-US" smtClean="0"/>
               <a:t>2024/3/10</a:t>
             </a:fld>
@@ -2674,7 +2674,7 @@
           <p:cNvPr id="6" name="页脚占位符 5">
             <a:extLst>
               <a:ext uri="{FF2B5EF4-FFF2-40B4-BE49-F238E27FC236}">
-                <a16:creationId xmlns:a16="http://schemas.microsoft.com/office/drawing/2014/main" id="{56EA85AA-667A-CD38-CCB3-E9A42C584CD0}"/>
+                <a16:creationId xmlns:a16="http://schemas.microsoft.com/office/drawing/2014/main" id="{889F07E9-10D8-6025-3396-9218B1DDA99A}"/>
               </a:ext>
             </a:extLst>
           </p:cNvPr>
@@ -2699,7 +2699,7 @@
           <p:cNvPr id="7" name="灯片编号占位符 6">
             <a:extLst>
               <a:ext uri="{FF2B5EF4-FFF2-40B4-BE49-F238E27FC236}">
-                <a16:creationId xmlns:a16="http://schemas.microsoft.com/office/drawing/2014/main" id="{42D6BA68-DC2E-B5E3-F89D-2E98A1CCB5A8}"/>
+                <a16:creationId xmlns:a16="http://schemas.microsoft.com/office/drawing/2014/main" id="{37A79231-5AA2-70C5-6BD6-1A510C2CAB8B}"/>
               </a:ext>
             </a:extLst>
           </p:cNvPr>
@@ -2715,7 +2715,7 @@
           <a:bodyPr/>
           <a:lstStyle/>
           <a:p>
-            <a:fld id="{83E4DEDF-BA7E-4423-AB68-21120FF83E20}" type="slidenum">
+            <a:fld id="{7B3F3ED6-D68B-4C53-A452-362F3642B874}" type="slidenum">
               <a:rPr lang="zh-CN" altLang="en-US" smtClean="0"/>
               <a:t>‹#›</a:t>
             </a:fld>
@@ -2726,7 +2726,7 @@
     </p:spTree>
     <p:extLst>
       <p:ext uri="{BB962C8B-B14F-4D97-AF65-F5344CB8AC3E}">
-        <p14:creationId xmlns:p14="http://schemas.microsoft.com/office/powerpoint/2010/main" val="585032499"/>
+        <p14:creationId xmlns:p14="http://schemas.microsoft.com/office/powerpoint/2010/main" val="524270529"/>
       </p:ext>
     </p:extLst>
   </p:cSld>
@@ -2763,7 +2763,7 @@
           <p:cNvPr id="2" name="标题占位符 1">
             <a:extLst>
               <a:ext uri="{FF2B5EF4-FFF2-40B4-BE49-F238E27FC236}">
-                <a16:creationId xmlns:a16="http://schemas.microsoft.com/office/drawing/2014/main" id="{C32FEE84-DB63-EA9F-C650-A0F035C60747}"/>
+                <a16:creationId xmlns:a16="http://schemas.microsoft.com/office/drawing/2014/main" id="{DED6C8E1-ECE5-418A-8AAD-61EF87D36A0A}"/>
               </a:ext>
             </a:extLst>
           </p:cNvPr>
@@ -2801,7 +2801,7 @@
           <p:cNvPr id="3" name="文本占位符 2">
             <a:extLst>
               <a:ext uri="{FF2B5EF4-FFF2-40B4-BE49-F238E27FC236}">
-                <a16:creationId xmlns:a16="http://schemas.microsoft.com/office/drawing/2014/main" id="{A2539B24-40D6-D49C-677E-AA72F38B2B93}"/>
+                <a16:creationId xmlns:a16="http://schemas.microsoft.com/office/drawing/2014/main" id="{A1CBBDF3-F51E-ED1E-8FB2-036877613A04}"/>
               </a:ext>
             </a:extLst>
           </p:cNvPr>
@@ -2868,7 +2868,7 @@
           <p:cNvPr id="4" name="日期占位符 3">
             <a:extLst>
               <a:ext uri="{FF2B5EF4-FFF2-40B4-BE49-F238E27FC236}">
-                <a16:creationId xmlns:a16="http://schemas.microsoft.com/office/drawing/2014/main" id="{5197E59E-5EE4-2CA7-0FEA-F661A64AABBF}"/>
+                <a16:creationId xmlns:a16="http://schemas.microsoft.com/office/drawing/2014/main" id="{A1F5D3CE-72B5-C4D3-CAEE-6FE966CDC0A4}"/>
               </a:ext>
             </a:extLst>
           </p:cNvPr>
@@ -2902,7 +2902,7 @@
             </a:lvl1pPr>
           </a:lstStyle>
           <a:p>
-            <a:fld id="{A71838C6-DCE9-400B-A470-32CCF6D799F4}" type="datetimeFigureOut">
+            <a:fld id="{8EBAB9D4-8CD7-44A8-8AEF-A8C8488AF5C3}" type="datetimeFigureOut">
               <a:rPr lang="zh-CN" altLang="en-US" smtClean="0"/>
               <a:t>2024/3/10</a:t>
             </a:fld>
@@ -2915,7 +2915,7 @@
           <p:cNvPr id="5" name="页脚占位符 4">
             <a:extLst>
               <a:ext uri="{FF2B5EF4-FFF2-40B4-BE49-F238E27FC236}">
-                <a16:creationId xmlns:a16="http://schemas.microsoft.com/office/drawing/2014/main" id="{5D744A2F-73CE-C791-B88C-03707B43AD70}"/>
+                <a16:creationId xmlns:a16="http://schemas.microsoft.com/office/drawing/2014/main" id="{47FF4408-0AA2-6DFA-D4AA-CAA737FA9918}"/>
               </a:ext>
             </a:extLst>
           </p:cNvPr>
@@ -2958,7 +2958,7 @@
           <p:cNvPr id="6" name="灯片编号占位符 5">
             <a:extLst>
               <a:ext uri="{FF2B5EF4-FFF2-40B4-BE49-F238E27FC236}">
-                <a16:creationId xmlns:a16="http://schemas.microsoft.com/office/drawing/2014/main" id="{58D98051-2171-CB10-BB24-73D0F100E9C8}"/>
+                <a16:creationId xmlns:a16="http://schemas.microsoft.com/office/drawing/2014/main" id="{4EDDA49D-2FF5-9374-54C0-D76A8CEB4439}"/>
               </a:ext>
             </a:extLst>
           </p:cNvPr>
@@ -2992,7 +2992,7 @@
             </a:lvl1pPr>
           </a:lstStyle>
           <a:p>
-            <a:fld id="{83E4DEDF-BA7E-4423-AB68-21120FF83E20}" type="slidenum">
+            <a:fld id="{7B3F3ED6-D68B-4C53-A452-362F3642B874}" type="slidenum">
               <a:rPr lang="zh-CN" altLang="en-US" smtClean="0"/>
               <a:t>‹#›</a:t>
             </a:fld>
@@ -3003,7 +3003,7 @@
     </p:spTree>
     <p:extLst>
       <p:ext uri="{BB962C8B-B14F-4D97-AF65-F5344CB8AC3E}">
-        <p14:creationId xmlns:p14="http://schemas.microsoft.com/office/powerpoint/2010/main" val="1047799090"/>
+        <p14:creationId xmlns:p14="http://schemas.microsoft.com/office/powerpoint/2010/main" val="472142164"/>
       </p:ext>
     </p:extLst>
   </p:cSld>
@@ -3323,7 +3323,7 @@
       </p:grpSpPr>
       <p:pic>
         <p:nvPicPr>
-          <p:cNvPr id="438274" name="Picture 2" descr="427"/>
+          <p:cNvPr id="439298" name="Picture 2" descr="428"/>
           <p:cNvPicPr>
             <a:picLocks noChangeAspect="1" noChangeArrowheads="1"/>
           </p:cNvPicPr>
@@ -3345,7 +3345,7 @@
         <p:spPr bwMode="auto">
           <a:xfrm>
             <a:off x="1524000" y="0"/>
-            <a:ext cx="9144000" cy="6165850"/>
+            <a:ext cx="9144000" cy="6858000"/>
           </a:xfrm>
           <a:prstGeom prst="rect">
             <a:avLst/>
@@ -3375,158 +3375,11 @@
           </a:extLst>
         </p:spPr>
       </p:pic>
-      <p:pic>
-        <p:nvPicPr>
-          <p:cNvPr id="439299" name="Picture 3" descr="427-2"/>
-          <p:cNvPicPr>
-            <a:picLocks noChangeAspect="1" noChangeArrowheads="1"/>
-          </p:cNvPicPr>
-          <p:nvPr/>
-        </p:nvPicPr>
-        <p:blipFill>
-          <a:blip r:embed="rId3">
-            <a:extLst>
-              <a:ext uri="{28A0092B-C50C-407E-A947-70E740481C1C}">
-                <a14:useLocalDpi xmlns:a14="http://schemas.microsoft.com/office/drawing/2010/main" val="0"/>
-              </a:ext>
-            </a:extLst>
-          </a:blip>
-          <a:srcRect/>
-          <a:stretch>
-            <a:fillRect/>
-          </a:stretch>
-        </p:blipFill>
-        <p:spPr bwMode="auto">
-          <a:xfrm>
-            <a:off x="1524000" y="1"/>
-            <a:ext cx="9144000" cy="6238875"/>
-          </a:xfrm>
-          <a:prstGeom prst="rect">
-            <a:avLst/>
-          </a:prstGeom>
-          <a:noFill/>
-          <a:ln>
-            <a:noFill/>
-          </a:ln>
-          <a:effectLst/>
-          <a:extLst>
-            <a:ext uri="{909E8E84-426E-40DD-AFC4-6F175D3DCCD1}">
-              <a14:hiddenFill xmlns:a14="http://schemas.microsoft.com/office/drawing/2010/main">
-                <a:solidFill>
-                  <a:srgbClr val="FFFFFF"/>
-                </a:solidFill>
-              </a14:hiddenFill>
-            </a:ext>
-            <a:ext uri="{91240B29-F687-4F45-9708-019B960494DF}">
-              <a14:hiddenLine xmlns:a14="http://schemas.microsoft.com/office/drawing/2010/main" w="9525">
-                <a:solidFill>
-                  <a:srgbClr val="000000"/>
-                </a:solidFill>
-                <a:miter lim="800000"/>
-                <a:headEnd/>
-                <a:tailEnd/>
-              </a14:hiddenLine>
-            </a:ext>
-            <a:ext uri="{AF507438-7753-43E0-B8FC-AC1667EBCBE1}">
-              <a14:hiddenEffects xmlns:a14="http://schemas.microsoft.com/office/drawing/2010/main">
-                <a:effectLst>
-                  <a:outerShdw dist="35921" dir="2700000" algn="ctr" rotWithShape="0">
-                    <a:srgbClr val="808080"/>
-                  </a:outerShdw>
-                </a:effectLst>
-              </a14:hiddenEffects>
-            </a:ext>
-          </a:extLst>
-        </p:spPr>
-      </p:pic>
     </p:spTree>
   </p:cSld>
   <p:clrMapOvr>
     <a:masterClrMapping/>
   </p:clrMapOvr>
-  <p:timing>
-    <p:tnLst>
-      <p:par>
-        <p:cTn id="1" dur="indefinite" restart="never" nodeType="tmRoot">
-          <p:childTnLst>
-            <p:seq concurrent="1" nextAc="seek">
-              <p:cTn id="2" dur="indefinite" nodeType="mainSeq">
-                <p:childTnLst>
-                  <p:par>
-                    <p:cTn id="3" fill="hold" nodeType="clickPar">
-                      <p:stCondLst>
-                        <p:cond delay="indefinite"/>
-                      </p:stCondLst>
-                      <p:childTnLst>
-                        <p:par>
-                          <p:cTn id="4" fill="hold" nodeType="withGroup">
-                            <p:stCondLst>
-                              <p:cond delay="0"/>
-                            </p:stCondLst>
-                            <p:childTnLst>
-                              <p:par>
-                                <p:cTn id="5" presetID="10" presetClass="entr" presetSubtype="0" fill="hold" nodeType="clickEffect">
-                                  <p:stCondLst>
-                                    <p:cond delay="0"/>
-                                  </p:stCondLst>
-                                  <p:childTnLst>
-                                    <p:set>
-                                      <p:cBhvr>
-                                        <p:cTn id="6" dur="1" fill="hold">
-                                          <p:stCondLst>
-                                            <p:cond delay="0"/>
-                                          </p:stCondLst>
-                                        </p:cTn>
-                                        <p:tgtEl>
-                                          <p:spTgt spid="439299"/>
-                                        </p:tgtEl>
-                                        <p:attrNameLst>
-                                          <p:attrName>style.visibility</p:attrName>
-                                        </p:attrNameLst>
-                                      </p:cBhvr>
-                                      <p:to>
-                                        <p:strVal val="visible"/>
-                                      </p:to>
-                                    </p:set>
-                                    <p:animEffect transition="in" filter="fade">
-                                      <p:cBhvr>
-                                        <p:cTn id="7" dur="500"/>
-                                        <p:tgtEl>
-                                          <p:spTgt spid="439299"/>
-                                        </p:tgtEl>
-                                      </p:cBhvr>
-                                    </p:animEffect>
-                                  </p:childTnLst>
-                                </p:cTn>
-                              </p:par>
-                            </p:childTnLst>
-                          </p:cTn>
-                        </p:par>
-                      </p:childTnLst>
-                    </p:cTn>
-                  </p:par>
-                </p:childTnLst>
-              </p:cTn>
-              <p:prevCondLst>
-                <p:cond evt="onPrev" delay="0">
-                  <p:tgtEl>
-                    <p:sldTgt/>
-                  </p:tgtEl>
-                </p:cond>
-              </p:prevCondLst>
-              <p:nextCondLst>
-                <p:cond evt="onNext" delay="0">
-                  <p:tgtEl>
-                    <p:sldTgt/>
-                  </p:tgtEl>
-                </p:cond>
-              </p:nextCondLst>
-            </p:seq>
-          </p:childTnLst>
-        </p:cTn>
-      </p:par>
-    </p:tnLst>
-  </p:timing>
 </p:sld>
 </file>
 
